--- a/ppt 16-9/1165.立在王面前.pptx
+++ b/ppt 16-9/1165.立在王面前.pptx
@@ -129,7 +129,7 @@
           <p:cNvPr id="2" name="标题 1">
             <a:extLst>
               <a:ext uri="{FF2B5EF4-FFF2-40B4-BE49-F238E27FC236}">
-                <a16:creationId xmlns:a16="http://schemas.microsoft.com/office/drawing/2014/main" id="{486DF8F2-2DCA-74CF-BD2C-14190D264000}"/>
+                <a16:creationId xmlns:a16="http://schemas.microsoft.com/office/drawing/2014/main" id="{860A0736-B427-E637-46AC-03A265640216}"/>
               </a:ext>
             </a:extLst>
           </p:cNvPr>
@@ -166,7 +166,7 @@
           <p:cNvPr id="3" name="副标题 2">
             <a:extLst>
               <a:ext uri="{FF2B5EF4-FFF2-40B4-BE49-F238E27FC236}">
-                <a16:creationId xmlns:a16="http://schemas.microsoft.com/office/drawing/2014/main" id="{9ACD79ED-6FC6-1FFF-AE91-E71E9F832641}"/>
+                <a16:creationId xmlns:a16="http://schemas.microsoft.com/office/drawing/2014/main" id="{C8EB7CCA-9B1F-E139-B2A3-20543C6026E6}"/>
               </a:ext>
             </a:extLst>
           </p:cNvPr>
@@ -236,7 +236,7 @@
           <p:cNvPr id="4" name="日期占位符 3">
             <a:extLst>
               <a:ext uri="{FF2B5EF4-FFF2-40B4-BE49-F238E27FC236}">
-                <a16:creationId xmlns:a16="http://schemas.microsoft.com/office/drawing/2014/main" id="{3053385A-4661-6B93-9413-D3B30714F7A3}"/>
+                <a16:creationId xmlns:a16="http://schemas.microsoft.com/office/drawing/2014/main" id="{96FE4265-4689-BA0B-64A0-3EB399485AAA}"/>
               </a:ext>
             </a:extLst>
           </p:cNvPr>
@@ -252,7 +252,7 @@
           <a:bodyPr/>
           <a:lstStyle/>
           <a:p>
-            <a:fld id="{7FC665E5-E347-42AB-9EAC-695FBFABBA83}" type="datetimeFigureOut">
+            <a:fld id="{7AFFC83A-AD44-475E-B9B3-98839F2FD7BE}" type="datetimeFigureOut">
               <a:rPr lang="zh-CN" altLang="en-US" smtClean="0"/>
               <a:t>2024/3/10</a:t>
             </a:fld>
@@ -265,7 +265,7 @@
           <p:cNvPr id="5" name="页脚占位符 4">
             <a:extLst>
               <a:ext uri="{FF2B5EF4-FFF2-40B4-BE49-F238E27FC236}">
-                <a16:creationId xmlns:a16="http://schemas.microsoft.com/office/drawing/2014/main" id="{C2DA1F86-E1AF-282B-B0F1-4E276CEC18A7}"/>
+                <a16:creationId xmlns:a16="http://schemas.microsoft.com/office/drawing/2014/main" id="{EB29906F-251A-A279-64DF-39C06E23A1C6}"/>
               </a:ext>
             </a:extLst>
           </p:cNvPr>
@@ -290,7 +290,7 @@
           <p:cNvPr id="6" name="灯片编号占位符 5">
             <a:extLst>
               <a:ext uri="{FF2B5EF4-FFF2-40B4-BE49-F238E27FC236}">
-                <a16:creationId xmlns:a16="http://schemas.microsoft.com/office/drawing/2014/main" id="{4D1C6179-8DA3-9256-5CC4-C358D0C62413}"/>
+                <a16:creationId xmlns:a16="http://schemas.microsoft.com/office/drawing/2014/main" id="{0830C187-B663-A44D-2EFB-DB4CEE0480A6}"/>
               </a:ext>
             </a:extLst>
           </p:cNvPr>
@@ -306,7 +306,7 @@
           <a:bodyPr/>
           <a:lstStyle/>
           <a:p>
-            <a:fld id="{D07D56E5-AF55-4752-BCAF-C5D44C1C5A4E}" type="slidenum">
+            <a:fld id="{C001E4CB-2DA4-4C8A-A314-5B7F9914C0A2}" type="slidenum">
               <a:rPr lang="zh-CN" altLang="en-US" smtClean="0"/>
               <a:t>‹#›</a:t>
             </a:fld>
@@ -317,7 +317,7 @@
     </p:spTree>
     <p:extLst>
       <p:ext uri="{BB962C8B-B14F-4D97-AF65-F5344CB8AC3E}">
-        <p14:creationId xmlns:p14="http://schemas.microsoft.com/office/powerpoint/2010/main" val="3512244024"/>
+        <p14:creationId xmlns:p14="http://schemas.microsoft.com/office/powerpoint/2010/main" val="3892012089"/>
       </p:ext>
     </p:extLst>
   </p:cSld>
@@ -349,7 +349,7 @@
           <p:cNvPr id="2" name="标题 1">
             <a:extLst>
               <a:ext uri="{FF2B5EF4-FFF2-40B4-BE49-F238E27FC236}">
-                <a16:creationId xmlns:a16="http://schemas.microsoft.com/office/drawing/2014/main" id="{EC56C5F3-9DB1-451C-3D49-B0E5CA779EF7}"/>
+                <a16:creationId xmlns:a16="http://schemas.microsoft.com/office/drawing/2014/main" id="{2159949A-7749-90D9-7130-5C0793180692}"/>
               </a:ext>
             </a:extLst>
           </p:cNvPr>
@@ -377,7 +377,7 @@
           <p:cNvPr id="3" name="竖排文字占位符 2">
             <a:extLst>
               <a:ext uri="{FF2B5EF4-FFF2-40B4-BE49-F238E27FC236}">
-                <a16:creationId xmlns:a16="http://schemas.microsoft.com/office/drawing/2014/main" id="{E2BEB985-442A-3BDD-1FF6-026BF2FA5ACD}"/>
+                <a16:creationId xmlns:a16="http://schemas.microsoft.com/office/drawing/2014/main" id="{146274D1-A26D-A5BE-E78E-55D33D2A4874}"/>
               </a:ext>
             </a:extLst>
           </p:cNvPr>
@@ -434,7 +434,7 @@
           <p:cNvPr id="4" name="日期占位符 3">
             <a:extLst>
               <a:ext uri="{FF2B5EF4-FFF2-40B4-BE49-F238E27FC236}">
-                <a16:creationId xmlns:a16="http://schemas.microsoft.com/office/drawing/2014/main" id="{8E8FFEAA-32FA-0D41-4E92-79A297128C8B}"/>
+                <a16:creationId xmlns:a16="http://schemas.microsoft.com/office/drawing/2014/main" id="{F6D4833C-1942-F0EA-93CD-D4BB7790EF65}"/>
               </a:ext>
             </a:extLst>
           </p:cNvPr>
@@ -450,7 +450,7 @@
           <a:bodyPr/>
           <a:lstStyle/>
           <a:p>
-            <a:fld id="{7FC665E5-E347-42AB-9EAC-695FBFABBA83}" type="datetimeFigureOut">
+            <a:fld id="{7AFFC83A-AD44-475E-B9B3-98839F2FD7BE}" type="datetimeFigureOut">
               <a:rPr lang="zh-CN" altLang="en-US" smtClean="0"/>
               <a:t>2024/3/10</a:t>
             </a:fld>
@@ -463,7 +463,7 @@
           <p:cNvPr id="5" name="页脚占位符 4">
             <a:extLst>
               <a:ext uri="{FF2B5EF4-FFF2-40B4-BE49-F238E27FC236}">
-                <a16:creationId xmlns:a16="http://schemas.microsoft.com/office/drawing/2014/main" id="{07D4F4D5-17EF-48FD-F4D5-BBA267497FD8}"/>
+                <a16:creationId xmlns:a16="http://schemas.microsoft.com/office/drawing/2014/main" id="{8A80CAD2-79E5-D482-4EFD-B121009B80C2}"/>
               </a:ext>
             </a:extLst>
           </p:cNvPr>
@@ -488,7 +488,7 @@
           <p:cNvPr id="6" name="灯片编号占位符 5">
             <a:extLst>
               <a:ext uri="{FF2B5EF4-FFF2-40B4-BE49-F238E27FC236}">
-                <a16:creationId xmlns:a16="http://schemas.microsoft.com/office/drawing/2014/main" id="{84F0BB77-4453-F4D5-F7A6-9A2BD0A9252D}"/>
+                <a16:creationId xmlns:a16="http://schemas.microsoft.com/office/drawing/2014/main" id="{3CA2E0B9-0D07-BE31-199E-B613FD9E7A3B}"/>
               </a:ext>
             </a:extLst>
           </p:cNvPr>
@@ -504,7 +504,7 @@
           <a:bodyPr/>
           <a:lstStyle/>
           <a:p>
-            <a:fld id="{D07D56E5-AF55-4752-BCAF-C5D44C1C5A4E}" type="slidenum">
+            <a:fld id="{C001E4CB-2DA4-4C8A-A314-5B7F9914C0A2}" type="slidenum">
               <a:rPr lang="zh-CN" altLang="en-US" smtClean="0"/>
               <a:t>‹#›</a:t>
             </a:fld>
@@ -515,7 +515,7 @@
     </p:spTree>
     <p:extLst>
       <p:ext uri="{BB962C8B-B14F-4D97-AF65-F5344CB8AC3E}">
-        <p14:creationId xmlns:p14="http://schemas.microsoft.com/office/powerpoint/2010/main" val="3441019843"/>
+        <p14:creationId xmlns:p14="http://schemas.microsoft.com/office/powerpoint/2010/main" val="2943270236"/>
       </p:ext>
     </p:extLst>
   </p:cSld>
@@ -547,7 +547,7 @@
           <p:cNvPr id="2" name="竖排标题 1">
             <a:extLst>
               <a:ext uri="{FF2B5EF4-FFF2-40B4-BE49-F238E27FC236}">
-                <a16:creationId xmlns:a16="http://schemas.microsoft.com/office/drawing/2014/main" id="{F70A0889-7EDC-9ED7-9400-56589766FF67}"/>
+                <a16:creationId xmlns:a16="http://schemas.microsoft.com/office/drawing/2014/main" id="{28E5ED70-6B90-C2C2-0AC0-F1D3EA85E0A4}"/>
               </a:ext>
             </a:extLst>
           </p:cNvPr>
@@ -580,7 +580,7 @@
           <p:cNvPr id="3" name="竖排文字占位符 2">
             <a:extLst>
               <a:ext uri="{FF2B5EF4-FFF2-40B4-BE49-F238E27FC236}">
-                <a16:creationId xmlns:a16="http://schemas.microsoft.com/office/drawing/2014/main" id="{3D5CB702-A641-8257-E7B3-B10BA632AA57}"/>
+                <a16:creationId xmlns:a16="http://schemas.microsoft.com/office/drawing/2014/main" id="{A8FC74AF-8001-29B4-96FA-3B9290BC96CB}"/>
               </a:ext>
             </a:extLst>
           </p:cNvPr>
@@ -642,7 +642,7 @@
           <p:cNvPr id="4" name="日期占位符 3">
             <a:extLst>
               <a:ext uri="{FF2B5EF4-FFF2-40B4-BE49-F238E27FC236}">
-                <a16:creationId xmlns:a16="http://schemas.microsoft.com/office/drawing/2014/main" id="{3F158F9B-2F61-1C06-A861-4C2A159C5883}"/>
+                <a16:creationId xmlns:a16="http://schemas.microsoft.com/office/drawing/2014/main" id="{5B674BAF-55E3-A523-3A7E-EFB2329DAB66}"/>
               </a:ext>
             </a:extLst>
           </p:cNvPr>
@@ -658,7 +658,7 @@
           <a:bodyPr/>
           <a:lstStyle/>
           <a:p>
-            <a:fld id="{7FC665E5-E347-42AB-9EAC-695FBFABBA83}" type="datetimeFigureOut">
+            <a:fld id="{7AFFC83A-AD44-475E-B9B3-98839F2FD7BE}" type="datetimeFigureOut">
               <a:rPr lang="zh-CN" altLang="en-US" smtClean="0"/>
               <a:t>2024/3/10</a:t>
             </a:fld>
@@ -671,7 +671,7 @@
           <p:cNvPr id="5" name="页脚占位符 4">
             <a:extLst>
               <a:ext uri="{FF2B5EF4-FFF2-40B4-BE49-F238E27FC236}">
-                <a16:creationId xmlns:a16="http://schemas.microsoft.com/office/drawing/2014/main" id="{BF3F7F0B-1E38-3FD7-FB92-1D0DDA69AD0D}"/>
+                <a16:creationId xmlns:a16="http://schemas.microsoft.com/office/drawing/2014/main" id="{75BE2E36-3960-DBAD-53DF-77196AE594A8}"/>
               </a:ext>
             </a:extLst>
           </p:cNvPr>
@@ -696,7 +696,7 @@
           <p:cNvPr id="6" name="灯片编号占位符 5">
             <a:extLst>
               <a:ext uri="{FF2B5EF4-FFF2-40B4-BE49-F238E27FC236}">
-                <a16:creationId xmlns:a16="http://schemas.microsoft.com/office/drawing/2014/main" id="{5DE769F8-C26B-4A79-8CEA-F44D146E2834}"/>
+                <a16:creationId xmlns:a16="http://schemas.microsoft.com/office/drawing/2014/main" id="{BA5372AA-07BF-906C-E440-A1E9796C3D2C}"/>
               </a:ext>
             </a:extLst>
           </p:cNvPr>
@@ -712,7 +712,7 @@
           <a:bodyPr/>
           <a:lstStyle/>
           <a:p>
-            <a:fld id="{D07D56E5-AF55-4752-BCAF-C5D44C1C5A4E}" type="slidenum">
+            <a:fld id="{C001E4CB-2DA4-4C8A-A314-5B7F9914C0A2}" type="slidenum">
               <a:rPr lang="zh-CN" altLang="en-US" smtClean="0"/>
               <a:t>‹#›</a:t>
             </a:fld>
@@ -723,7 +723,7 @@
     </p:spTree>
     <p:extLst>
       <p:ext uri="{BB962C8B-B14F-4D97-AF65-F5344CB8AC3E}">
-        <p14:creationId xmlns:p14="http://schemas.microsoft.com/office/powerpoint/2010/main" val="1824653584"/>
+        <p14:creationId xmlns:p14="http://schemas.microsoft.com/office/powerpoint/2010/main" val="1789016407"/>
       </p:ext>
     </p:extLst>
   </p:cSld>
@@ -755,7 +755,7 @@
           <p:cNvPr id="2" name="标题 1">
             <a:extLst>
               <a:ext uri="{FF2B5EF4-FFF2-40B4-BE49-F238E27FC236}">
-                <a16:creationId xmlns:a16="http://schemas.microsoft.com/office/drawing/2014/main" id="{9833CAE5-5A56-A20E-C403-5BD41786978B}"/>
+                <a16:creationId xmlns:a16="http://schemas.microsoft.com/office/drawing/2014/main" id="{E9128F56-282B-1B9D-E85E-BFE321145D27}"/>
               </a:ext>
             </a:extLst>
           </p:cNvPr>
@@ -783,7 +783,7 @@
           <p:cNvPr id="3" name="内容占位符 2">
             <a:extLst>
               <a:ext uri="{FF2B5EF4-FFF2-40B4-BE49-F238E27FC236}">
-                <a16:creationId xmlns:a16="http://schemas.microsoft.com/office/drawing/2014/main" id="{3FE5B274-E9F3-65BF-4AC1-F6CBD3FB8221}"/>
+                <a16:creationId xmlns:a16="http://schemas.microsoft.com/office/drawing/2014/main" id="{D3F80A11-3452-94A2-0029-49E8784B89B2}"/>
               </a:ext>
             </a:extLst>
           </p:cNvPr>
@@ -840,7 +840,7 @@
           <p:cNvPr id="4" name="日期占位符 3">
             <a:extLst>
               <a:ext uri="{FF2B5EF4-FFF2-40B4-BE49-F238E27FC236}">
-                <a16:creationId xmlns:a16="http://schemas.microsoft.com/office/drawing/2014/main" id="{96DE8A3A-EDD9-5AC9-555A-D3CC97BBB8B1}"/>
+                <a16:creationId xmlns:a16="http://schemas.microsoft.com/office/drawing/2014/main" id="{6EC13DCF-FDF3-343C-437E-F9E0825E3B0B}"/>
               </a:ext>
             </a:extLst>
           </p:cNvPr>
@@ -856,7 +856,7 @@
           <a:bodyPr/>
           <a:lstStyle/>
           <a:p>
-            <a:fld id="{7FC665E5-E347-42AB-9EAC-695FBFABBA83}" type="datetimeFigureOut">
+            <a:fld id="{7AFFC83A-AD44-475E-B9B3-98839F2FD7BE}" type="datetimeFigureOut">
               <a:rPr lang="zh-CN" altLang="en-US" smtClean="0"/>
               <a:t>2024/3/10</a:t>
             </a:fld>
@@ -869,7 +869,7 @@
           <p:cNvPr id="5" name="页脚占位符 4">
             <a:extLst>
               <a:ext uri="{FF2B5EF4-FFF2-40B4-BE49-F238E27FC236}">
-                <a16:creationId xmlns:a16="http://schemas.microsoft.com/office/drawing/2014/main" id="{5931BF08-E662-F06D-8365-1C5B0979EC4F}"/>
+                <a16:creationId xmlns:a16="http://schemas.microsoft.com/office/drawing/2014/main" id="{483856FF-92C0-BB76-AF70-AB4E036D877A}"/>
               </a:ext>
             </a:extLst>
           </p:cNvPr>
@@ -894,7 +894,7 @@
           <p:cNvPr id="6" name="灯片编号占位符 5">
             <a:extLst>
               <a:ext uri="{FF2B5EF4-FFF2-40B4-BE49-F238E27FC236}">
-                <a16:creationId xmlns:a16="http://schemas.microsoft.com/office/drawing/2014/main" id="{7AA77383-2EDE-EB1C-70B6-32DA7911547D}"/>
+                <a16:creationId xmlns:a16="http://schemas.microsoft.com/office/drawing/2014/main" id="{54DCEAD4-9AF7-B8AA-3650-EC82DC53E917}"/>
               </a:ext>
             </a:extLst>
           </p:cNvPr>
@@ -910,7 +910,7 @@
           <a:bodyPr/>
           <a:lstStyle/>
           <a:p>
-            <a:fld id="{D07D56E5-AF55-4752-BCAF-C5D44C1C5A4E}" type="slidenum">
+            <a:fld id="{C001E4CB-2DA4-4C8A-A314-5B7F9914C0A2}" type="slidenum">
               <a:rPr lang="zh-CN" altLang="en-US" smtClean="0"/>
               <a:t>‹#›</a:t>
             </a:fld>
@@ -921,7 +921,7 @@
     </p:spTree>
     <p:extLst>
       <p:ext uri="{BB962C8B-B14F-4D97-AF65-F5344CB8AC3E}">
-        <p14:creationId xmlns:p14="http://schemas.microsoft.com/office/powerpoint/2010/main" val="3389413991"/>
+        <p14:creationId xmlns:p14="http://schemas.microsoft.com/office/powerpoint/2010/main" val="2027886880"/>
       </p:ext>
     </p:extLst>
   </p:cSld>
@@ -953,7 +953,7 @@
           <p:cNvPr id="2" name="标题 1">
             <a:extLst>
               <a:ext uri="{FF2B5EF4-FFF2-40B4-BE49-F238E27FC236}">
-                <a16:creationId xmlns:a16="http://schemas.microsoft.com/office/drawing/2014/main" id="{974B0C26-F172-7434-7090-B1EE80DF0772}"/>
+                <a16:creationId xmlns:a16="http://schemas.microsoft.com/office/drawing/2014/main" id="{8EB9F480-BE71-88F8-EF29-0382D9A36C5E}"/>
               </a:ext>
             </a:extLst>
           </p:cNvPr>
@@ -990,7 +990,7 @@
           <p:cNvPr id="3" name="文本占位符 2">
             <a:extLst>
               <a:ext uri="{FF2B5EF4-FFF2-40B4-BE49-F238E27FC236}">
-                <a16:creationId xmlns:a16="http://schemas.microsoft.com/office/drawing/2014/main" id="{C6E28E5E-8C36-8971-E002-778239ED6C79}"/>
+                <a16:creationId xmlns:a16="http://schemas.microsoft.com/office/drawing/2014/main" id="{44966DC2-BFDB-A562-EBBC-52B036519D62}"/>
               </a:ext>
             </a:extLst>
           </p:cNvPr>
@@ -1115,7 +1115,7 @@
           <p:cNvPr id="4" name="日期占位符 3">
             <a:extLst>
               <a:ext uri="{FF2B5EF4-FFF2-40B4-BE49-F238E27FC236}">
-                <a16:creationId xmlns:a16="http://schemas.microsoft.com/office/drawing/2014/main" id="{EB1B2DED-B65C-7DCC-F50F-65655727B731}"/>
+                <a16:creationId xmlns:a16="http://schemas.microsoft.com/office/drawing/2014/main" id="{176AB4E3-FEC8-8DBC-8C87-22BCB9DFC768}"/>
               </a:ext>
             </a:extLst>
           </p:cNvPr>
@@ -1131,7 +1131,7 @@
           <a:bodyPr/>
           <a:lstStyle/>
           <a:p>
-            <a:fld id="{7FC665E5-E347-42AB-9EAC-695FBFABBA83}" type="datetimeFigureOut">
+            <a:fld id="{7AFFC83A-AD44-475E-B9B3-98839F2FD7BE}" type="datetimeFigureOut">
               <a:rPr lang="zh-CN" altLang="en-US" smtClean="0"/>
               <a:t>2024/3/10</a:t>
             </a:fld>
@@ -1144,7 +1144,7 @@
           <p:cNvPr id="5" name="页脚占位符 4">
             <a:extLst>
               <a:ext uri="{FF2B5EF4-FFF2-40B4-BE49-F238E27FC236}">
-                <a16:creationId xmlns:a16="http://schemas.microsoft.com/office/drawing/2014/main" id="{606F9996-DA9B-0E4D-F486-DDA479E4F594}"/>
+                <a16:creationId xmlns:a16="http://schemas.microsoft.com/office/drawing/2014/main" id="{4F30219C-1113-7DC5-A69B-12AF5F02AFDD}"/>
               </a:ext>
             </a:extLst>
           </p:cNvPr>
@@ -1169,7 +1169,7 @@
           <p:cNvPr id="6" name="灯片编号占位符 5">
             <a:extLst>
               <a:ext uri="{FF2B5EF4-FFF2-40B4-BE49-F238E27FC236}">
-                <a16:creationId xmlns:a16="http://schemas.microsoft.com/office/drawing/2014/main" id="{35446720-0495-CCF9-248C-EA3BA6F59678}"/>
+                <a16:creationId xmlns:a16="http://schemas.microsoft.com/office/drawing/2014/main" id="{10795B31-2BCD-37DA-C27F-A5173C3CF3E3}"/>
               </a:ext>
             </a:extLst>
           </p:cNvPr>
@@ -1185,7 +1185,7 @@
           <a:bodyPr/>
           <a:lstStyle/>
           <a:p>
-            <a:fld id="{D07D56E5-AF55-4752-BCAF-C5D44C1C5A4E}" type="slidenum">
+            <a:fld id="{C001E4CB-2DA4-4C8A-A314-5B7F9914C0A2}" type="slidenum">
               <a:rPr lang="zh-CN" altLang="en-US" smtClean="0"/>
               <a:t>‹#›</a:t>
             </a:fld>
@@ -1196,7 +1196,7 @@
     </p:spTree>
     <p:extLst>
       <p:ext uri="{BB962C8B-B14F-4D97-AF65-F5344CB8AC3E}">
-        <p14:creationId xmlns:p14="http://schemas.microsoft.com/office/powerpoint/2010/main" val="393737811"/>
+        <p14:creationId xmlns:p14="http://schemas.microsoft.com/office/powerpoint/2010/main" val="1073732542"/>
       </p:ext>
     </p:extLst>
   </p:cSld>
@@ -1228,7 +1228,7 @@
           <p:cNvPr id="2" name="标题 1">
             <a:extLst>
               <a:ext uri="{FF2B5EF4-FFF2-40B4-BE49-F238E27FC236}">
-                <a16:creationId xmlns:a16="http://schemas.microsoft.com/office/drawing/2014/main" id="{907C9093-10CF-274C-A495-95CC182997DB}"/>
+                <a16:creationId xmlns:a16="http://schemas.microsoft.com/office/drawing/2014/main" id="{F11CE786-FAEE-30E3-105D-742056198212}"/>
               </a:ext>
             </a:extLst>
           </p:cNvPr>
@@ -1256,7 +1256,7 @@
           <p:cNvPr id="3" name="内容占位符 2">
             <a:extLst>
               <a:ext uri="{FF2B5EF4-FFF2-40B4-BE49-F238E27FC236}">
-                <a16:creationId xmlns:a16="http://schemas.microsoft.com/office/drawing/2014/main" id="{DC95743F-142E-17D8-5E9E-043CD8E8E55B}"/>
+                <a16:creationId xmlns:a16="http://schemas.microsoft.com/office/drawing/2014/main" id="{EE62ECAE-51CD-A17F-40DF-7EDC1B1977E7}"/>
               </a:ext>
             </a:extLst>
           </p:cNvPr>
@@ -1318,7 +1318,7 @@
           <p:cNvPr id="4" name="内容占位符 3">
             <a:extLst>
               <a:ext uri="{FF2B5EF4-FFF2-40B4-BE49-F238E27FC236}">
-                <a16:creationId xmlns:a16="http://schemas.microsoft.com/office/drawing/2014/main" id="{E77361BD-27E3-6551-7FE0-C3373855B7F1}"/>
+                <a16:creationId xmlns:a16="http://schemas.microsoft.com/office/drawing/2014/main" id="{6A6F7751-96AC-C63B-240C-266F3DD4723E}"/>
               </a:ext>
             </a:extLst>
           </p:cNvPr>
@@ -1380,7 +1380,7 @@
           <p:cNvPr id="5" name="日期占位符 4">
             <a:extLst>
               <a:ext uri="{FF2B5EF4-FFF2-40B4-BE49-F238E27FC236}">
-                <a16:creationId xmlns:a16="http://schemas.microsoft.com/office/drawing/2014/main" id="{A2323CF7-7896-9E93-2699-315FF2D6BC36}"/>
+                <a16:creationId xmlns:a16="http://schemas.microsoft.com/office/drawing/2014/main" id="{F92ABC87-F889-E604-109E-C3347D699CE7}"/>
               </a:ext>
             </a:extLst>
           </p:cNvPr>
@@ -1396,7 +1396,7 @@
           <a:bodyPr/>
           <a:lstStyle/>
           <a:p>
-            <a:fld id="{7FC665E5-E347-42AB-9EAC-695FBFABBA83}" type="datetimeFigureOut">
+            <a:fld id="{7AFFC83A-AD44-475E-B9B3-98839F2FD7BE}" type="datetimeFigureOut">
               <a:rPr lang="zh-CN" altLang="en-US" smtClean="0"/>
               <a:t>2024/3/10</a:t>
             </a:fld>
@@ -1409,7 +1409,7 @@
           <p:cNvPr id="6" name="页脚占位符 5">
             <a:extLst>
               <a:ext uri="{FF2B5EF4-FFF2-40B4-BE49-F238E27FC236}">
-                <a16:creationId xmlns:a16="http://schemas.microsoft.com/office/drawing/2014/main" id="{68BCD9CF-A7AF-F6AD-AB4F-DD4182E8676A}"/>
+                <a16:creationId xmlns:a16="http://schemas.microsoft.com/office/drawing/2014/main" id="{F5BB556B-ED58-0CCD-7540-D068355C13AA}"/>
               </a:ext>
             </a:extLst>
           </p:cNvPr>
@@ -1434,7 +1434,7 @@
           <p:cNvPr id="7" name="灯片编号占位符 6">
             <a:extLst>
               <a:ext uri="{FF2B5EF4-FFF2-40B4-BE49-F238E27FC236}">
-                <a16:creationId xmlns:a16="http://schemas.microsoft.com/office/drawing/2014/main" id="{72B75F83-EF18-2C8A-AC8A-BC90CF030F5C}"/>
+                <a16:creationId xmlns:a16="http://schemas.microsoft.com/office/drawing/2014/main" id="{9389D3A9-1381-08E7-0A89-620DDC95EA41}"/>
               </a:ext>
             </a:extLst>
           </p:cNvPr>
@@ -1450,7 +1450,7 @@
           <a:bodyPr/>
           <a:lstStyle/>
           <a:p>
-            <a:fld id="{D07D56E5-AF55-4752-BCAF-C5D44C1C5A4E}" type="slidenum">
+            <a:fld id="{C001E4CB-2DA4-4C8A-A314-5B7F9914C0A2}" type="slidenum">
               <a:rPr lang="zh-CN" altLang="en-US" smtClean="0"/>
               <a:t>‹#›</a:t>
             </a:fld>
@@ -1461,7 +1461,7 @@
     </p:spTree>
     <p:extLst>
       <p:ext uri="{BB962C8B-B14F-4D97-AF65-F5344CB8AC3E}">
-        <p14:creationId xmlns:p14="http://schemas.microsoft.com/office/powerpoint/2010/main" val="104652572"/>
+        <p14:creationId xmlns:p14="http://schemas.microsoft.com/office/powerpoint/2010/main" val="2771553130"/>
       </p:ext>
     </p:extLst>
   </p:cSld>
@@ -1493,7 +1493,7 @@
           <p:cNvPr id="2" name="标题 1">
             <a:extLst>
               <a:ext uri="{FF2B5EF4-FFF2-40B4-BE49-F238E27FC236}">
-                <a16:creationId xmlns:a16="http://schemas.microsoft.com/office/drawing/2014/main" id="{FE0B93EC-80F5-6C14-4DC8-77B7FE5179D3}"/>
+                <a16:creationId xmlns:a16="http://schemas.microsoft.com/office/drawing/2014/main" id="{6BB49573-F77A-B361-44CC-AD621340BF4E}"/>
               </a:ext>
             </a:extLst>
           </p:cNvPr>
@@ -1526,7 +1526,7 @@
           <p:cNvPr id="3" name="文本占位符 2">
             <a:extLst>
               <a:ext uri="{FF2B5EF4-FFF2-40B4-BE49-F238E27FC236}">
-                <a16:creationId xmlns:a16="http://schemas.microsoft.com/office/drawing/2014/main" id="{715CC068-22B8-2736-3E93-D7E552851DA8}"/>
+                <a16:creationId xmlns:a16="http://schemas.microsoft.com/office/drawing/2014/main" id="{E533200A-D6A7-A0D5-2D2D-A3FDF9121F9F}"/>
               </a:ext>
             </a:extLst>
           </p:cNvPr>
@@ -1597,7 +1597,7 @@
           <p:cNvPr id="4" name="内容占位符 3">
             <a:extLst>
               <a:ext uri="{FF2B5EF4-FFF2-40B4-BE49-F238E27FC236}">
-                <a16:creationId xmlns:a16="http://schemas.microsoft.com/office/drawing/2014/main" id="{E3492D37-284D-6A73-95DE-F73BE37E744D}"/>
+                <a16:creationId xmlns:a16="http://schemas.microsoft.com/office/drawing/2014/main" id="{0B1335B5-7166-0435-F9BC-4EF8DA273532}"/>
               </a:ext>
             </a:extLst>
           </p:cNvPr>
@@ -1659,7 +1659,7 @@
           <p:cNvPr id="5" name="文本占位符 4">
             <a:extLst>
               <a:ext uri="{FF2B5EF4-FFF2-40B4-BE49-F238E27FC236}">
-                <a16:creationId xmlns:a16="http://schemas.microsoft.com/office/drawing/2014/main" id="{8FC2AC88-8825-41C1-6374-55795D3D368F}"/>
+                <a16:creationId xmlns:a16="http://schemas.microsoft.com/office/drawing/2014/main" id="{082A481E-612A-5F65-927D-DB56E6F03982}"/>
               </a:ext>
             </a:extLst>
           </p:cNvPr>
@@ -1730,7 +1730,7 @@
           <p:cNvPr id="6" name="内容占位符 5">
             <a:extLst>
               <a:ext uri="{FF2B5EF4-FFF2-40B4-BE49-F238E27FC236}">
-                <a16:creationId xmlns:a16="http://schemas.microsoft.com/office/drawing/2014/main" id="{AD4FF83F-70C5-65B3-D5B8-03BC776A614A}"/>
+                <a16:creationId xmlns:a16="http://schemas.microsoft.com/office/drawing/2014/main" id="{11AF57F9-45CB-4594-61A1-2819388C7E02}"/>
               </a:ext>
             </a:extLst>
           </p:cNvPr>
@@ -1792,7 +1792,7 @@
           <p:cNvPr id="7" name="日期占位符 6">
             <a:extLst>
               <a:ext uri="{FF2B5EF4-FFF2-40B4-BE49-F238E27FC236}">
-                <a16:creationId xmlns:a16="http://schemas.microsoft.com/office/drawing/2014/main" id="{F39FB7D6-1215-3F0E-282D-3190797D7725}"/>
+                <a16:creationId xmlns:a16="http://schemas.microsoft.com/office/drawing/2014/main" id="{A9737946-EDB5-4136-25B7-FFCC69FD4421}"/>
               </a:ext>
             </a:extLst>
           </p:cNvPr>
@@ -1808,7 +1808,7 @@
           <a:bodyPr/>
           <a:lstStyle/>
           <a:p>
-            <a:fld id="{7FC665E5-E347-42AB-9EAC-695FBFABBA83}" type="datetimeFigureOut">
+            <a:fld id="{7AFFC83A-AD44-475E-B9B3-98839F2FD7BE}" type="datetimeFigureOut">
               <a:rPr lang="zh-CN" altLang="en-US" smtClean="0"/>
               <a:t>2024/3/10</a:t>
             </a:fld>
@@ -1821,7 +1821,7 @@
           <p:cNvPr id="8" name="页脚占位符 7">
             <a:extLst>
               <a:ext uri="{FF2B5EF4-FFF2-40B4-BE49-F238E27FC236}">
-                <a16:creationId xmlns:a16="http://schemas.microsoft.com/office/drawing/2014/main" id="{4538B8DB-4E7A-2D3A-A4F5-7058AE1451DF}"/>
+                <a16:creationId xmlns:a16="http://schemas.microsoft.com/office/drawing/2014/main" id="{82C64C67-792A-B4EE-79AE-52C243A889CE}"/>
               </a:ext>
             </a:extLst>
           </p:cNvPr>
@@ -1846,7 +1846,7 @@
           <p:cNvPr id="9" name="灯片编号占位符 8">
             <a:extLst>
               <a:ext uri="{FF2B5EF4-FFF2-40B4-BE49-F238E27FC236}">
-                <a16:creationId xmlns:a16="http://schemas.microsoft.com/office/drawing/2014/main" id="{A09C904B-E998-2A78-D6E0-A8A7F86078E3}"/>
+                <a16:creationId xmlns:a16="http://schemas.microsoft.com/office/drawing/2014/main" id="{A36ED17F-C7C0-48EA-6EF5-E05751BD3000}"/>
               </a:ext>
             </a:extLst>
           </p:cNvPr>
@@ -1862,7 +1862,7 @@
           <a:bodyPr/>
           <a:lstStyle/>
           <a:p>
-            <a:fld id="{D07D56E5-AF55-4752-BCAF-C5D44C1C5A4E}" type="slidenum">
+            <a:fld id="{C001E4CB-2DA4-4C8A-A314-5B7F9914C0A2}" type="slidenum">
               <a:rPr lang="zh-CN" altLang="en-US" smtClean="0"/>
               <a:t>‹#›</a:t>
             </a:fld>
@@ -1873,7 +1873,7 @@
     </p:spTree>
     <p:extLst>
       <p:ext uri="{BB962C8B-B14F-4D97-AF65-F5344CB8AC3E}">
-        <p14:creationId xmlns:p14="http://schemas.microsoft.com/office/powerpoint/2010/main" val="3250920528"/>
+        <p14:creationId xmlns:p14="http://schemas.microsoft.com/office/powerpoint/2010/main" val="1827282493"/>
       </p:ext>
     </p:extLst>
   </p:cSld>
@@ -1905,7 +1905,7 @@
           <p:cNvPr id="2" name="标题 1">
             <a:extLst>
               <a:ext uri="{FF2B5EF4-FFF2-40B4-BE49-F238E27FC236}">
-                <a16:creationId xmlns:a16="http://schemas.microsoft.com/office/drawing/2014/main" id="{11ABDB45-0883-5F71-1ADF-E15B95F31608}"/>
+                <a16:creationId xmlns:a16="http://schemas.microsoft.com/office/drawing/2014/main" id="{B491322A-766E-7FD8-4834-80EB2A56A0CE}"/>
               </a:ext>
             </a:extLst>
           </p:cNvPr>
@@ -1933,7 +1933,7 @@
           <p:cNvPr id="3" name="日期占位符 2">
             <a:extLst>
               <a:ext uri="{FF2B5EF4-FFF2-40B4-BE49-F238E27FC236}">
-                <a16:creationId xmlns:a16="http://schemas.microsoft.com/office/drawing/2014/main" id="{5345EE6C-4056-6DE9-50F6-DFAEA79548E4}"/>
+                <a16:creationId xmlns:a16="http://schemas.microsoft.com/office/drawing/2014/main" id="{E71E1C44-4CCF-992A-0E25-80B7664AF128}"/>
               </a:ext>
             </a:extLst>
           </p:cNvPr>
@@ -1949,7 +1949,7 @@
           <a:bodyPr/>
           <a:lstStyle/>
           <a:p>
-            <a:fld id="{7FC665E5-E347-42AB-9EAC-695FBFABBA83}" type="datetimeFigureOut">
+            <a:fld id="{7AFFC83A-AD44-475E-B9B3-98839F2FD7BE}" type="datetimeFigureOut">
               <a:rPr lang="zh-CN" altLang="en-US" smtClean="0"/>
               <a:t>2024/3/10</a:t>
             </a:fld>
@@ -1962,7 +1962,7 @@
           <p:cNvPr id="4" name="页脚占位符 3">
             <a:extLst>
               <a:ext uri="{FF2B5EF4-FFF2-40B4-BE49-F238E27FC236}">
-                <a16:creationId xmlns:a16="http://schemas.microsoft.com/office/drawing/2014/main" id="{7C6C9689-60A4-A766-2B8E-46C1B2754678}"/>
+                <a16:creationId xmlns:a16="http://schemas.microsoft.com/office/drawing/2014/main" id="{1F9293C1-CA34-D1B1-275B-9C816F8A8FB8}"/>
               </a:ext>
             </a:extLst>
           </p:cNvPr>
@@ -1987,7 +1987,7 @@
           <p:cNvPr id="5" name="灯片编号占位符 4">
             <a:extLst>
               <a:ext uri="{FF2B5EF4-FFF2-40B4-BE49-F238E27FC236}">
-                <a16:creationId xmlns:a16="http://schemas.microsoft.com/office/drawing/2014/main" id="{2AE81403-635A-ECE7-F4B1-CCE803D29050}"/>
+                <a16:creationId xmlns:a16="http://schemas.microsoft.com/office/drawing/2014/main" id="{97DC23C3-4A48-F313-1812-8D06AD935251}"/>
               </a:ext>
             </a:extLst>
           </p:cNvPr>
@@ -2003,7 +2003,7 @@
           <a:bodyPr/>
           <a:lstStyle/>
           <a:p>
-            <a:fld id="{D07D56E5-AF55-4752-BCAF-C5D44C1C5A4E}" type="slidenum">
+            <a:fld id="{C001E4CB-2DA4-4C8A-A314-5B7F9914C0A2}" type="slidenum">
               <a:rPr lang="zh-CN" altLang="en-US" smtClean="0"/>
               <a:t>‹#›</a:t>
             </a:fld>
@@ -2014,7 +2014,7 @@
     </p:spTree>
     <p:extLst>
       <p:ext uri="{BB962C8B-B14F-4D97-AF65-F5344CB8AC3E}">
-        <p14:creationId xmlns:p14="http://schemas.microsoft.com/office/powerpoint/2010/main" val="2210527585"/>
+        <p14:creationId xmlns:p14="http://schemas.microsoft.com/office/powerpoint/2010/main" val="377530815"/>
       </p:ext>
     </p:extLst>
   </p:cSld>
@@ -2046,7 +2046,7 @@
           <p:cNvPr id="2" name="日期占位符 1">
             <a:extLst>
               <a:ext uri="{FF2B5EF4-FFF2-40B4-BE49-F238E27FC236}">
-                <a16:creationId xmlns:a16="http://schemas.microsoft.com/office/drawing/2014/main" id="{446A4B02-C4B5-B4FF-69D4-86A86DF888C5}"/>
+                <a16:creationId xmlns:a16="http://schemas.microsoft.com/office/drawing/2014/main" id="{6DE6940D-C377-EE20-5135-B53F22C980B9}"/>
               </a:ext>
             </a:extLst>
           </p:cNvPr>
@@ -2062,7 +2062,7 @@
           <a:bodyPr/>
           <a:lstStyle/>
           <a:p>
-            <a:fld id="{7FC665E5-E347-42AB-9EAC-695FBFABBA83}" type="datetimeFigureOut">
+            <a:fld id="{7AFFC83A-AD44-475E-B9B3-98839F2FD7BE}" type="datetimeFigureOut">
               <a:rPr lang="zh-CN" altLang="en-US" smtClean="0"/>
               <a:t>2024/3/10</a:t>
             </a:fld>
@@ -2075,7 +2075,7 @@
           <p:cNvPr id="3" name="页脚占位符 2">
             <a:extLst>
               <a:ext uri="{FF2B5EF4-FFF2-40B4-BE49-F238E27FC236}">
-                <a16:creationId xmlns:a16="http://schemas.microsoft.com/office/drawing/2014/main" id="{156D75DB-C86F-BD75-9035-FFE5B28205FB}"/>
+                <a16:creationId xmlns:a16="http://schemas.microsoft.com/office/drawing/2014/main" id="{DD479EED-DDE0-9B17-43AF-AF84CB15F7E9}"/>
               </a:ext>
             </a:extLst>
           </p:cNvPr>
@@ -2100,7 +2100,7 @@
           <p:cNvPr id="4" name="灯片编号占位符 3">
             <a:extLst>
               <a:ext uri="{FF2B5EF4-FFF2-40B4-BE49-F238E27FC236}">
-                <a16:creationId xmlns:a16="http://schemas.microsoft.com/office/drawing/2014/main" id="{EB7B1B8D-8BA1-8921-0460-7C9914055500}"/>
+                <a16:creationId xmlns:a16="http://schemas.microsoft.com/office/drawing/2014/main" id="{BE5F3153-EEBE-A128-0C48-C3FBD90A23C7}"/>
               </a:ext>
             </a:extLst>
           </p:cNvPr>
@@ -2116,7 +2116,7 @@
           <a:bodyPr/>
           <a:lstStyle/>
           <a:p>
-            <a:fld id="{D07D56E5-AF55-4752-BCAF-C5D44C1C5A4E}" type="slidenum">
+            <a:fld id="{C001E4CB-2DA4-4C8A-A314-5B7F9914C0A2}" type="slidenum">
               <a:rPr lang="zh-CN" altLang="en-US" smtClean="0"/>
               <a:t>‹#›</a:t>
             </a:fld>
@@ -2127,7 +2127,7 @@
     </p:spTree>
     <p:extLst>
       <p:ext uri="{BB962C8B-B14F-4D97-AF65-F5344CB8AC3E}">
-        <p14:creationId xmlns:p14="http://schemas.microsoft.com/office/powerpoint/2010/main" val="2677878668"/>
+        <p14:creationId xmlns:p14="http://schemas.microsoft.com/office/powerpoint/2010/main" val="192933719"/>
       </p:ext>
     </p:extLst>
   </p:cSld>
@@ -2159,7 +2159,7 @@
           <p:cNvPr id="2" name="标题 1">
             <a:extLst>
               <a:ext uri="{FF2B5EF4-FFF2-40B4-BE49-F238E27FC236}">
-                <a16:creationId xmlns:a16="http://schemas.microsoft.com/office/drawing/2014/main" id="{F7652652-A9D9-89C9-399A-0BCA4552B988}"/>
+                <a16:creationId xmlns:a16="http://schemas.microsoft.com/office/drawing/2014/main" id="{DF67A81E-B405-FF90-09E9-B8DF96A73719}"/>
               </a:ext>
             </a:extLst>
           </p:cNvPr>
@@ -2196,7 +2196,7 @@
           <p:cNvPr id="3" name="内容占位符 2">
             <a:extLst>
               <a:ext uri="{FF2B5EF4-FFF2-40B4-BE49-F238E27FC236}">
-                <a16:creationId xmlns:a16="http://schemas.microsoft.com/office/drawing/2014/main" id="{965B6A15-AE1E-B8C2-FDF8-6F2B03F732C6}"/>
+                <a16:creationId xmlns:a16="http://schemas.microsoft.com/office/drawing/2014/main" id="{147A34F0-C4F9-8667-BB08-4EDE16E137E1}"/>
               </a:ext>
             </a:extLst>
           </p:cNvPr>
@@ -2286,7 +2286,7 @@
           <p:cNvPr id="4" name="文本占位符 3">
             <a:extLst>
               <a:ext uri="{FF2B5EF4-FFF2-40B4-BE49-F238E27FC236}">
-                <a16:creationId xmlns:a16="http://schemas.microsoft.com/office/drawing/2014/main" id="{B1795BC1-854A-75E3-6FEB-C2D3777B8D33}"/>
+                <a16:creationId xmlns:a16="http://schemas.microsoft.com/office/drawing/2014/main" id="{A2899CEB-64A2-4FB9-01FD-AA493BC75F62}"/>
               </a:ext>
             </a:extLst>
           </p:cNvPr>
@@ -2357,7 +2357,7 @@
           <p:cNvPr id="5" name="日期占位符 4">
             <a:extLst>
               <a:ext uri="{FF2B5EF4-FFF2-40B4-BE49-F238E27FC236}">
-                <a16:creationId xmlns:a16="http://schemas.microsoft.com/office/drawing/2014/main" id="{F8DB0EBC-C2C1-DA2B-3E83-D0452E815255}"/>
+                <a16:creationId xmlns:a16="http://schemas.microsoft.com/office/drawing/2014/main" id="{5C6D99AD-2C12-D6C1-C32B-33C16A0FEF7D}"/>
               </a:ext>
             </a:extLst>
           </p:cNvPr>
@@ -2373,7 +2373,7 @@
           <a:bodyPr/>
           <a:lstStyle/>
           <a:p>
-            <a:fld id="{7FC665E5-E347-42AB-9EAC-695FBFABBA83}" type="datetimeFigureOut">
+            <a:fld id="{7AFFC83A-AD44-475E-B9B3-98839F2FD7BE}" type="datetimeFigureOut">
               <a:rPr lang="zh-CN" altLang="en-US" smtClean="0"/>
               <a:t>2024/3/10</a:t>
             </a:fld>
@@ -2386,7 +2386,7 @@
           <p:cNvPr id="6" name="页脚占位符 5">
             <a:extLst>
               <a:ext uri="{FF2B5EF4-FFF2-40B4-BE49-F238E27FC236}">
-                <a16:creationId xmlns:a16="http://schemas.microsoft.com/office/drawing/2014/main" id="{58C7DAB7-911E-D4D9-39A5-51CB7C6619C6}"/>
+                <a16:creationId xmlns:a16="http://schemas.microsoft.com/office/drawing/2014/main" id="{096B9C60-3AC8-5A09-65C7-E356C044887A}"/>
               </a:ext>
             </a:extLst>
           </p:cNvPr>
@@ -2411,7 +2411,7 @@
           <p:cNvPr id="7" name="灯片编号占位符 6">
             <a:extLst>
               <a:ext uri="{FF2B5EF4-FFF2-40B4-BE49-F238E27FC236}">
-                <a16:creationId xmlns:a16="http://schemas.microsoft.com/office/drawing/2014/main" id="{E78E5826-24FE-0A16-0343-06D421D6870B}"/>
+                <a16:creationId xmlns:a16="http://schemas.microsoft.com/office/drawing/2014/main" id="{39621C77-CF8B-6B28-6F99-BA267E780571}"/>
               </a:ext>
             </a:extLst>
           </p:cNvPr>
@@ -2427,7 +2427,7 @@
           <a:bodyPr/>
           <a:lstStyle/>
           <a:p>
-            <a:fld id="{D07D56E5-AF55-4752-BCAF-C5D44C1C5A4E}" type="slidenum">
+            <a:fld id="{C001E4CB-2DA4-4C8A-A314-5B7F9914C0A2}" type="slidenum">
               <a:rPr lang="zh-CN" altLang="en-US" smtClean="0"/>
               <a:t>‹#›</a:t>
             </a:fld>
@@ -2438,7 +2438,7 @@
     </p:spTree>
     <p:extLst>
       <p:ext uri="{BB962C8B-B14F-4D97-AF65-F5344CB8AC3E}">
-        <p14:creationId xmlns:p14="http://schemas.microsoft.com/office/powerpoint/2010/main" val="3837603625"/>
+        <p14:creationId xmlns:p14="http://schemas.microsoft.com/office/powerpoint/2010/main" val="3163440978"/>
       </p:ext>
     </p:extLst>
   </p:cSld>
@@ -2470,7 +2470,7 @@
           <p:cNvPr id="2" name="标题 1">
             <a:extLst>
               <a:ext uri="{FF2B5EF4-FFF2-40B4-BE49-F238E27FC236}">
-                <a16:creationId xmlns:a16="http://schemas.microsoft.com/office/drawing/2014/main" id="{294CD019-D3D1-BF6F-4292-412F31449B2C}"/>
+                <a16:creationId xmlns:a16="http://schemas.microsoft.com/office/drawing/2014/main" id="{F35B9771-91B7-0145-B693-1ABCB644E647}"/>
               </a:ext>
             </a:extLst>
           </p:cNvPr>
@@ -2507,7 +2507,7 @@
           <p:cNvPr id="3" name="图片占位符 2">
             <a:extLst>
               <a:ext uri="{FF2B5EF4-FFF2-40B4-BE49-F238E27FC236}">
-                <a16:creationId xmlns:a16="http://schemas.microsoft.com/office/drawing/2014/main" id="{0B446EC6-ECBE-78B4-E465-91587B77F2EA}"/>
+                <a16:creationId xmlns:a16="http://schemas.microsoft.com/office/drawing/2014/main" id="{59F81F73-7E32-3590-218D-0C23A9F53B1D}"/>
               </a:ext>
             </a:extLst>
           </p:cNvPr>
@@ -2574,7 +2574,7 @@
           <p:cNvPr id="4" name="文本占位符 3">
             <a:extLst>
               <a:ext uri="{FF2B5EF4-FFF2-40B4-BE49-F238E27FC236}">
-                <a16:creationId xmlns:a16="http://schemas.microsoft.com/office/drawing/2014/main" id="{2FAC8575-C4B5-66A6-D191-63C1085DCB3E}"/>
+                <a16:creationId xmlns:a16="http://schemas.microsoft.com/office/drawing/2014/main" id="{B446CE46-5103-B0A5-132E-2B9F74A3E3ED}"/>
               </a:ext>
             </a:extLst>
           </p:cNvPr>
@@ -2645,7 +2645,7 @@
           <p:cNvPr id="5" name="日期占位符 4">
             <a:extLst>
               <a:ext uri="{FF2B5EF4-FFF2-40B4-BE49-F238E27FC236}">
-                <a16:creationId xmlns:a16="http://schemas.microsoft.com/office/drawing/2014/main" id="{519DA85B-DFC2-2452-1992-6D55295B48D9}"/>
+                <a16:creationId xmlns:a16="http://schemas.microsoft.com/office/drawing/2014/main" id="{58B7E3BE-E2DF-BB07-7A88-93F4BCE9F99A}"/>
               </a:ext>
             </a:extLst>
           </p:cNvPr>
@@ -2661,7 +2661,7 @@
           <a:bodyPr/>
           <a:lstStyle/>
           <a:p>
-            <a:fld id="{7FC665E5-E347-42AB-9EAC-695FBFABBA83}" type="datetimeFigureOut">
+            <a:fld id="{7AFFC83A-AD44-475E-B9B3-98839F2FD7BE}" type="datetimeFigureOut">
               <a:rPr lang="zh-CN" altLang="en-US" smtClean="0"/>
               <a:t>2024/3/10</a:t>
             </a:fld>
@@ -2674,7 +2674,7 @@
           <p:cNvPr id="6" name="页脚占位符 5">
             <a:extLst>
               <a:ext uri="{FF2B5EF4-FFF2-40B4-BE49-F238E27FC236}">
-                <a16:creationId xmlns:a16="http://schemas.microsoft.com/office/drawing/2014/main" id="{F784BBF5-AA6A-47AE-2AE1-3D8E739BA02E}"/>
+                <a16:creationId xmlns:a16="http://schemas.microsoft.com/office/drawing/2014/main" id="{7F984956-9347-B276-E50B-50DB55E69A6C}"/>
               </a:ext>
             </a:extLst>
           </p:cNvPr>
@@ -2699,7 +2699,7 @@
           <p:cNvPr id="7" name="灯片编号占位符 6">
             <a:extLst>
               <a:ext uri="{FF2B5EF4-FFF2-40B4-BE49-F238E27FC236}">
-                <a16:creationId xmlns:a16="http://schemas.microsoft.com/office/drawing/2014/main" id="{80AD999A-103A-1C00-EAA5-5E6EDF05C2CB}"/>
+                <a16:creationId xmlns:a16="http://schemas.microsoft.com/office/drawing/2014/main" id="{E963BA7D-5401-CCB4-36BF-A75BD0112720}"/>
               </a:ext>
             </a:extLst>
           </p:cNvPr>
@@ -2715,7 +2715,7 @@
           <a:bodyPr/>
           <a:lstStyle/>
           <a:p>
-            <a:fld id="{D07D56E5-AF55-4752-BCAF-C5D44C1C5A4E}" type="slidenum">
+            <a:fld id="{C001E4CB-2DA4-4C8A-A314-5B7F9914C0A2}" type="slidenum">
               <a:rPr lang="zh-CN" altLang="en-US" smtClean="0"/>
               <a:t>‹#›</a:t>
             </a:fld>
@@ -2726,7 +2726,7 @@
     </p:spTree>
     <p:extLst>
       <p:ext uri="{BB962C8B-B14F-4D97-AF65-F5344CB8AC3E}">
-        <p14:creationId xmlns:p14="http://schemas.microsoft.com/office/powerpoint/2010/main" val="1522652105"/>
+        <p14:creationId xmlns:p14="http://schemas.microsoft.com/office/powerpoint/2010/main" val="3894584509"/>
       </p:ext>
     </p:extLst>
   </p:cSld>
@@ -2763,7 +2763,7 @@
           <p:cNvPr id="2" name="标题占位符 1">
             <a:extLst>
               <a:ext uri="{FF2B5EF4-FFF2-40B4-BE49-F238E27FC236}">
-                <a16:creationId xmlns:a16="http://schemas.microsoft.com/office/drawing/2014/main" id="{9A5DF558-A3DA-0284-84E9-4200CDC64C50}"/>
+                <a16:creationId xmlns:a16="http://schemas.microsoft.com/office/drawing/2014/main" id="{E405AEC1-069C-3F09-8840-92809971CA35}"/>
               </a:ext>
             </a:extLst>
           </p:cNvPr>
@@ -2801,7 +2801,7 @@
           <p:cNvPr id="3" name="文本占位符 2">
             <a:extLst>
               <a:ext uri="{FF2B5EF4-FFF2-40B4-BE49-F238E27FC236}">
-                <a16:creationId xmlns:a16="http://schemas.microsoft.com/office/drawing/2014/main" id="{3DA03ADB-FFF2-2F76-B324-83378AA05DB4}"/>
+                <a16:creationId xmlns:a16="http://schemas.microsoft.com/office/drawing/2014/main" id="{6395C445-0A22-E918-AA12-FB629D96D8B7}"/>
               </a:ext>
             </a:extLst>
           </p:cNvPr>
@@ -2868,7 +2868,7 @@
           <p:cNvPr id="4" name="日期占位符 3">
             <a:extLst>
               <a:ext uri="{FF2B5EF4-FFF2-40B4-BE49-F238E27FC236}">
-                <a16:creationId xmlns:a16="http://schemas.microsoft.com/office/drawing/2014/main" id="{5564AAB3-8DF7-2EDC-5DC6-6D0C55EA4BD4}"/>
+                <a16:creationId xmlns:a16="http://schemas.microsoft.com/office/drawing/2014/main" id="{C018FA14-27D7-C953-ED87-0C7807E7E07F}"/>
               </a:ext>
             </a:extLst>
           </p:cNvPr>
@@ -2902,7 +2902,7 @@
             </a:lvl1pPr>
           </a:lstStyle>
           <a:p>
-            <a:fld id="{7FC665E5-E347-42AB-9EAC-695FBFABBA83}" type="datetimeFigureOut">
+            <a:fld id="{7AFFC83A-AD44-475E-B9B3-98839F2FD7BE}" type="datetimeFigureOut">
               <a:rPr lang="zh-CN" altLang="en-US" smtClean="0"/>
               <a:t>2024/3/10</a:t>
             </a:fld>
@@ -2915,7 +2915,7 @@
           <p:cNvPr id="5" name="页脚占位符 4">
             <a:extLst>
               <a:ext uri="{FF2B5EF4-FFF2-40B4-BE49-F238E27FC236}">
-                <a16:creationId xmlns:a16="http://schemas.microsoft.com/office/drawing/2014/main" id="{6E4957EF-CB7A-0AD1-6B48-E16E6058B7CE}"/>
+                <a16:creationId xmlns:a16="http://schemas.microsoft.com/office/drawing/2014/main" id="{1C35F9A3-8FB4-14EB-C8E2-B501A67AE10E}"/>
               </a:ext>
             </a:extLst>
           </p:cNvPr>
@@ -2958,7 +2958,7 @@
           <p:cNvPr id="6" name="灯片编号占位符 5">
             <a:extLst>
               <a:ext uri="{FF2B5EF4-FFF2-40B4-BE49-F238E27FC236}">
-                <a16:creationId xmlns:a16="http://schemas.microsoft.com/office/drawing/2014/main" id="{5FBB4965-1725-7831-117D-C66E18A26273}"/>
+                <a16:creationId xmlns:a16="http://schemas.microsoft.com/office/drawing/2014/main" id="{8E1DA986-778E-75B7-4AD3-50627797E6E0}"/>
               </a:ext>
             </a:extLst>
           </p:cNvPr>
@@ -2992,7 +2992,7 @@
             </a:lvl1pPr>
           </a:lstStyle>
           <a:p>
-            <a:fld id="{D07D56E5-AF55-4752-BCAF-C5D44C1C5A4E}" type="slidenum">
+            <a:fld id="{C001E4CB-2DA4-4C8A-A314-5B7F9914C0A2}" type="slidenum">
               <a:rPr lang="zh-CN" altLang="en-US" smtClean="0"/>
               <a:t>‹#›</a:t>
             </a:fld>
@@ -3003,7 +3003,7 @@
     </p:spTree>
     <p:extLst>
       <p:ext uri="{BB962C8B-B14F-4D97-AF65-F5344CB8AC3E}">
-        <p14:creationId xmlns:p14="http://schemas.microsoft.com/office/powerpoint/2010/main" val="3643176233"/>
+        <p14:creationId xmlns:p14="http://schemas.microsoft.com/office/powerpoint/2010/main" val="1211122044"/>
       </p:ext>
     </p:extLst>
   </p:cSld>
